--- a/Lab 6 + 7/Lab 6 bài giảng.pptx
+++ b/Lab 6 + 7/Lab 6 bài giảng.pptx
@@ -213,6 +213,58 @@
     </p:extLst>
   </p:cmAuthor>
 </p:cmAuthorLst>
+</file>
+
+<file path=ppt/changesInfos/changesInfo1.xml><?xml version="1.0" encoding="utf-8"?>
+<pc:chgInfo xmlns:a="http://schemas.openxmlformats.org/drawingml/2006/main" xmlns:r="http://schemas.openxmlformats.org/officeDocument/2006/relationships" xmlns:ac="http://schemas.microsoft.com/office/drawing/2013/main/command" xmlns:pc="http://schemas.microsoft.com/office/powerpoint/2013/main/command">
+  <pc:docChgLst>
+    <pc:chgData name="Hang Anh Le" userId="afddc9ce3bd7fde8" providerId="LiveId" clId="{804A05F1-4672-43C5-977F-8AB3B7FDB501}"/>
+    <pc:docChg chg="undo custSel modSld">
+      <pc:chgData name="Hang Anh Le" userId="afddc9ce3bd7fde8" providerId="LiveId" clId="{804A05F1-4672-43C5-977F-8AB3B7FDB501}" dt="2024-05-02T17:05:20.553" v="35"/>
+      <pc:docMkLst>
+        <pc:docMk/>
+      </pc:docMkLst>
+      <pc:sldChg chg="modSp mod">
+        <pc:chgData name="Hang Anh Le" userId="afddc9ce3bd7fde8" providerId="LiveId" clId="{804A05F1-4672-43C5-977F-8AB3B7FDB501}" dt="2024-05-02T17:00:36.974" v="12" actId="20577"/>
+        <pc:sldMkLst>
+          <pc:docMk/>
+          <pc:sldMk cId="1340241307" sldId="319"/>
+        </pc:sldMkLst>
+        <pc:spChg chg="mod">
+          <ac:chgData name="Hang Anh Le" userId="afddc9ce3bd7fde8" providerId="LiveId" clId="{804A05F1-4672-43C5-977F-8AB3B7FDB501}" dt="2024-05-02T17:00:36.974" v="12" actId="20577"/>
+          <ac:spMkLst>
+            <pc:docMk/>
+            <pc:sldMk cId="1340241307" sldId="319"/>
+            <ac:spMk id="3" creationId="{00000000-0000-0000-0000-000000000000}"/>
+          </ac:spMkLst>
+        </pc:spChg>
+      </pc:sldChg>
+      <pc:sldChg chg="addSp delSp modSp mod">
+        <pc:chgData name="Hang Anh Le" userId="afddc9ce3bd7fde8" providerId="LiveId" clId="{804A05F1-4672-43C5-977F-8AB3B7FDB501}" dt="2024-05-02T17:05:20.553" v="35"/>
+        <pc:sldMkLst>
+          <pc:docMk/>
+          <pc:sldMk cId="3286310913" sldId="353"/>
+        </pc:sldMkLst>
+        <pc:spChg chg="mod">
+          <ac:chgData name="Hang Anh Le" userId="afddc9ce3bd7fde8" providerId="LiveId" clId="{804A05F1-4672-43C5-977F-8AB3B7FDB501}" dt="2024-05-02T17:05:20.553" v="35"/>
+          <ac:spMkLst>
+            <pc:docMk/>
+            <pc:sldMk cId="3286310913" sldId="353"/>
+            <ac:spMk id="3" creationId="{00000000-0000-0000-0000-000000000000}"/>
+          </ac:spMkLst>
+        </pc:spChg>
+        <pc:spChg chg="add del">
+          <ac:chgData name="Hang Anh Le" userId="afddc9ce3bd7fde8" providerId="LiveId" clId="{804A05F1-4672-43C5-977F-8AB3B7FDB501}" dt="2024-05-02T17:05:18.776" v="33"/>
+          <ac:spMkLst>
+            <pc:docMk/>
+            <pc:sldMk cId="3286310913" sldId="353"/>
+            <ac:spMk id="4" creationId="{4BA7B324-7FB3-4CE7-81CC-8038EF957C79}"/>
+          </ac:spMkLst>
+        </pc:spChg>
+      </pc:sldChg>
+    </pc:docChg>
+  </pc:docChgLst>
+</pc:chgInfo>
 </file>
 
 <file path=ppt/handoutMasters/handoutMaster1.xml><?xml version="1.0" encoding="utf-8"?>
@@ -5670,7 +5722,12 @@
             <p:ph idx="1"/>
           </p:nvPr>
         </p:nvSpPr>
-        <p:spPr/>
+        <p:spPr>
+          <a:xfrm>
+            <a:off x="392626" y="1295401"/>
+            <a:ext cx="11406748" cy="4536548"/>
+          </a:xfrm>
+        </p:spPr>
         <p:txBody>
           <a:bodyPr>
             <a:normAutofit/>
@@ -5818,6 +5875,30 @@
             </a:r>
           </a:p>
           <a:p>
+            <a:r>
+              <a:rPr lang="en-US" altLang="en-US" dirty="0"/>
+              <a:t>N</a:t>
+            </a:r>
+            <a:r>
+              <a:rPr lang="vi-VN" altLang="en-US" dirty="0"/>
+              <a:t>ếu như tuple chỉ chứa duy nhất một giá trị thì bắt buộc bạn phải thêm một dấu </a:t>
+            </a:r>
+            <a:r>
+              <a:rPr lang="en-US" altLang="en-US" dirty="0"/>
+              <a:t>“</a:t>
+            </a:r>
+            <a:r>
+              <a:rPr lang="vi-VN" altLang="en-US" dirty="0"/>
+              <a:t>,</a:t>
+            </a:r>
+            <a:r>
+              <a:rPr lang="en-US" altLang="en-US" dirty="0"/>
+              <a:t>”</a:t>
+            </a:r>
+            <a:r>
+              <a:rPr lang="vi-VN" altLang="en-US" dirty="0"/>
+              <a:t> nữa đằng sau giá trị đó.</a:t>
+            </a:r>
             <a:endParaRPr lang="en-US" altLang="en-US" dirty="0"/>
           </a:p>
           <a:p>
@@ -7713,7 +7794,7 @@
         </p:spPr>
         <p:txBody>
           <a:bodyPr>
-            <a:normAutofit/>
+            <a:normAutofit fontScale="92500" lnSpcReduction="10000"/>
           </a:bodyPr>
           <a:lstStyle/>
           <a:p>
@@ -7895,24 +7976,9 @@
               <a:rPr lang="vi-VN" altLang="en-US" dirty="0"/>
               <a:t>Trích xuất một phần của tuple từ vị trí start đến vị trí end-1 với bước step.</a:t>
             </a:r>
-            <a:endParaRPr lang="en-US" altLang="en-US" dirty="0"/>
-          </a:p>
-          <a:p>
-            <a:r>
-              <a:rPr lang="en-US" altLang="en-US" b="1" dirty="0" err="1"/>
-              <a:t>Nối</a:t>
-            </a:r>
-            <a:r>
-              <a:rPr lang="en-US" altLang="en-US" b="1" dirty="0"/>
-              <a:t> </a:t>
-            </a:r>
-            <a:r>
-              <a:rPr lang="en-US" altLang="en-US" b="1" dirty="0" err="1"/>
-              <a:t>các</a:t>
-            </a:r>
-            <a:r>
-              <a:rPr lang="en-US" altLang="en-US" b="1" dirty="0"/>
-              <a:t> tuple</a:t>
+            <a:r>
+              <a:rPr lang="en-US" altLang="en-US" dirty="0"/>
+              <a:t> </a:t>
             </a:r>
           </a:p>
           <a:p>
@@ -7921,136 +7987,29 @@
             </a:pPr>
             <a:r>
               <a:rPr lang="en-US" altLang="en-US" dirty="0"/>
-              <a:t>+ tuple1 + tuple2 + tuple3 + ...: </a:t>
-            </a:r>
-            <a:r>
-              <a:rPr lang="en-US" altLang="en-US" dirty="0" err="1"/>
-              <a:t>Tạo</a:t>
-            </a:r>
-            <a:r>
-              <a:rPr lang="en-US" altLang="en-US" dirty="0"/>
-              <a:t> </a:t>
-            </a:r>
-            <a:r>
-              <a:rPr lang="en-US" altLang="en-US" dirty="0" err="1"/>
-              <a:t>một</a:t>
-            </a:r>
-            <a:r>
-              <a:rPr lang="en-US" altLang="en-US" dirty="0"/>
-              <a:t> tuple </a:t>
-            </a:r>
-            <a:r>
-              <a:rPr lang="en-US" altLang="en-US" dirty="0" err="1"/>
-              <a:t>mới</a:t>
-            </a:r>
-            <a:r>
-              <a:rPr lang="en-US" altLang="en-US" dirty="0"/>
-              <a:t> </a:t>
-            </a:r>
-            <a:r>
-              <a:rPr lang="en-US" altLang="en-US" dirty="0" err="1"/>
-              <a:t>chứa</a:t>
-            </a:r>
-            <a:r>
-              <a:rPr lang="en-US" altLang="en-US" dirty="0"/>
-              <a:t> </a:t>
-            </a:r>
-            <a:r>
-              <a:rPr lang="en-US" altLang="en-US" dirty="0" err="1"/>
-              <a:t>tất</a:t>
-            </a:r>
-            <a:r>
-              <a:rPr lang="en-US" altLang="en-US" dirty="0"/>
-              <a:t> </a:t>
-            </a:r>
-            <a:r>
-              <a:rPr lang="en-US" altLang="en-US" dirty="0" err="1"/>
-              <a:t>cả</a:t>
-            </a:r>
-            <a:r>
-              <a:rPr lang="en-US" altLang="en-US" dirty="0"/>
-              <a:t> </a:t>
-            </a:r>
-            <a:r>
-              <a:rPr lang="en-US" altLang="en-US" dirty="0" err="1"/>
+              <a:t>+ </a:t>
+            </a:r>
+            <a:r>
+              <a:rPr lang="vi-VN" altLang="en-US" dirty="0"/>
+              <a:t>index(value): Phương thức này trả về chỉ mục (index) đầu tiên của một giá trị value trong tuple.</a:t>
+            </a:r>
+            <a:endParaRPr lang="en-US" altLang="en-US" dirty="0"/>
+          </a:p>
+          <a:p>
+            <a:r>
+              <a:rPr lang="en-US" altLang="en-US" b="1" dirty="0" err="1"/>
+              <a:t>Nối</a:t>
+            </a:r>
+            <a:r>
+              <a:rPr lang="en-US" altLang="en-US" b="1" dirty="0"/>
+              <a:t> </a:t>
+            </a:r>
+            <a:r>
+              <a:rPr lang="en-US" altLang="en-US" b="1" dirty="0" err="1"/>
               <a:t>các</a:t>
             </a:r>
             <a:r>
-              <a:rPr lang="en-US" altLang="en-US" dirty="0"/>
-              <a:t> </a:t>
-            </a:r>
-            <a:r>
-              <a:rPr lang="en-US" altLang="en-US" dirty="0" err="1"/>
-              <a:t>phần</a:t>
-            </a:r>
-            <a:r>
-              <a:rPr lang="en-US" altLang="en-US" dirty="0"/>
-              <a:t> </a:t>
-            </a:r>
-            <a:r>
-              <a:rPr lang="en-US" altLang="en-US" dirty="0" err="1"/>
-              <a:t>tử</a:t>
-            </a:r>
-            <a:r>
-              <a:rPr lang="en-US" altLang="en-US" dirty="0"/>
-              <a:t> </a:t>
-            </a:r>
-            <a:r>
-              <a:rPr lang="en-US" altLang="en-US" dirty="0" err="1"/>
-              <a:t>từ</a:t>
-            </a:r>
-            <a:r>
-              <a:rPr lang="en-US" altLang="en-US" dirty="0"/>
-              <a:t> </a:t>
-            </a:r>
-            <a:r>
-              <a:rPr lang="en-US" altLang="en-US" dirty="0" err="1"/>
-              <a:t>các</a:t>
-            </a:r>
-            <a:r>
-              <a:rPr lang="en-US" altLang="en-US" dirty="0"/>
-              <a:t> tuple ban </a:t>
-            </a:r>
-            <a:r>
-              <a:rPr lang="en-US" altLang="en-US" dirty="0" err="1"/>
-              <a:t>đầu</a:t>
-            </a:r>
-            <a:r>
-              <a:rPr lang="en-US" altLang="en-US" dirty="0"/>
-              <a:t>.</a:t>
-            </a:r>
-          </a:p>
-          <a:p>
-            <a:r>
-              <a:rPr lang="en-GB" altLang="en-US" b="1" dirty="0" err="1"/>
-              <a:t>Đếm</a:t>
-            </a:r>
-            <a:r>
-              <a:rPr lang="en-GB" altLang="en-US" b="1" dirty="0"/>
-              <a:t> </a:t>
-            </a:r>
-            <a:r>
-              <a:rPr lang="en-GB" altLang="en-US" b="1" dirty="0" err="1"/>
-              <a:t>phần</a:t>
-            </a:r>
-            <a:r>
-              <a:rPr lang="en-GB" altLang="en-US" b="1" dirty="0"/>
-              <a:t> </a:t>
-            </a:r>
-            <a:r>
-              <a:rPr lang="en-GB" altLang="en-US" b="1" dirty="0" err="1"/>
-              <a:t>tử</a:t>
-            </a:r>
-            <a:r>
-              <a:rPr lang="en-GB" altLang="en-US" b="1" dirty="0"/>
-              <a:t> </a:t>
-            </a:r>
-            <a:r>
-              <a:rPr lang="en-GB" altLang="en-US" b="1" dirty="0" err="1"/>
-              <a:t>trong</a:t>
-            </a:r>
-            <a:r>
-              <a:rPr lang="en-GB" altLang="en-US" b="1" dirty="0"/>
+              <a:rPr lang="en-US" altLang="en-US" b="1" dirty="0"/>
               <a:t> tuple</a:t>
             </a:r>
           </a:p>
@@ -8059,6 +8018,145 @@
               <a:buNone/>
             </a:pPr>
             <a:r>
+              <a:rPr lang="en-US" altLang="en-US" dirty="0"/>
+              <a:t>+ tuple1 + tuple2 + tuple3 + ...: </a:t>
+            </a:r>
+            <a:r>
+              <a:rPr lang="en-US" altLang="en-US" dirty="0" err="1"/>
+              <a:t>Tạo</a:t>
+            </a:r>
+            <a:r>
+              <a:rPr lang="en-US" altLang="en-US" dirty="0"/>
+              <a:t> </a:t>
+            </a:r>
+            <a:r>
+              <a:rPr lang="en-US" altLang="en-US" dirty="0" err="1"/>
+              <a:t>một</a:t>
+            </a:r>
+            <a:r>
+              <a:rPr lang="en-US" altLang="en-US" dirty="0"/>
+              <a:t> tuple </a:t>
+            </a:r>
+            <a:r>
+              <a:rPr lang="en-US" altLang="en-US" dirty="0" err="1"/>
+              <a:t>mới</a:t>
+            </a:r>
+            <a:r>
+              <a:rPr lang="en-US" altLang="en-US" dirty="0"/>
+              <a:t> </a:t>
+            </a:r>
+            <a:r>
+              <a:rPr lang="en-US" altLang="en-US" dirty="0" err="1"/>
+              <a:t>chứa</a:t>
+            </a:r>
+            <a:r>
+              <a:rPr lang="en-US" altLang="en-US" dirty="0"/>
+              <a:t> </a:t>
+            </a:r>
+            <a:r>
+              <a:rPr lang="en-US" altLang="en-US" dirty="0" err="1"/>
+              <a:t>tất</a:t>
+            </a:r>
+            <a:r>
+              <a:rPr lang="en-US" altLang="en-US" dirty="0"/>
+              <a:t> </a:t>
+            </a:r>
+            <a:r>
+              <a:rPr lang="en-US" altLang="en-US" dirty="0" err="1"/>
+              <a:t>cả</a:t>
+            </a:r>
+            <a:r>
+              <a:rPr lang="en-US" altLang="en-US" dirty="0"/>
+              <a:t> </a:t>
+            </a:r>
+            <a:r>
+              <a:rPr lang="en-US" altLang="en-US" dirty="0" err="1"/>
+              <a:t>các</a:t>
+            </a:r>
+            <a:r>
+              <a:rPr lang="en-US" altLang="en-US" dirty="0"/>
+              <a:t> </a:t>
+            </a:r>
+            <a:r>
+              <a:rPr lang="en-US" altLang="en-US" dirty="0" err="1"/>
+              <a:t>phần</a:t>
+            </a:r>
+            <a:r>
+              <a:rPr lang="en-US" altLang="en-US" dirty="0"/>
+              <a:t> </a:t>
+            </a:r>
+            <a:r>
+              <a:rPr lang="en-US" altLang="en-US" dirty="0" err="1"/>
+              <a:t>tử</a:t>
+            </a:r>
+            <a:r>
+              <a:rPr lang="en-US" altLang="en-US" dirty="0"/>
+              <a:t> </a:t>
+            </a:r>
+            <a:r>
+              <a:rPr lang="en-US" altLang="en-US" dirty="0" err="1"/>
+              <a:t>từ</a:t>
+            </a:r>
+            <a:r>
+              <a:rPr lang="en-US" altLang="en-US" dirty="0"/>
+              <a:t> </a:t>
+            </a:r>
+            <a:r>
+              <a:rPr lang="en-US" altLang="en-US" dirty="0" err="1"/>
+              <a:t>các</a:t>
+            </a:r>
+            <a:r>
+              <a:rPr lang="en-US" altLang="en-US" dirty="0"/>
+              <a:t> tuple ban </a:t>
+            </a:r>
+            <a:r>
+              <a:rPr lang="en-US" altLang="en-US" dirty="0" err="1"/>
+              <a:t>đầu</a:t>
+            </a:r>
+            <a:r>
+              <a:rPr lang="en-US" altLang="en-US" dirty="0"/>
+              <a:t>.</a:t>
+            </a:r>
+          </a:p>
+          <a:p>
+            <a:r>
+              <a:rPr lang="en-GB" altLang="en-US" b="1" dirty="0" err="1"/>
+              <a:t>Đếm</a:t>
+            </a:r>
+            <a:r>
+              <a:rPr lang="en-GB" altLang="en-US" b="1" dirty="0"/>
+              <a:t> </a:t>
+            </a:r>
+            <a:r>
+              <a:rPr lang="en-GB" altLang="en-US" b="1" dirty="0" err="1"/>
+              <a:t>phần</a:t>
+            </a:r>
+            <a:r>
+              <a:rPr lang="en-GB" altLang="en-US" b="1" dirty="0"/>
+              <a:t> </a:t>
+            </a:r>
+            <a:r>
+              <a:rPr lang="en-GB" altLang="en-US" b="1" dirty="0" err="1"/>
+              <a:t>tử</a:t>
+            </a:r>
+            <a:r>
+              <a:rPr lang="en-GB" altLang="en-US" b="1" dirty="0"/>
+              <a:t> </a:t>
+            </a:r>
+            <a:r>
+              <a:rPr lang="en-GB" altLang="en-US" b="1" dirty="0" err="1"/>
+              <a:t>trong</a:t>
+            </a:r>
+            <a:r>
+              <a:rPr lang="en-GB" altLang="en-US" b="1" dirty="0"/>
+              <a:t> tuple</a:t>
+            </a:r>
+          </a:p>
+          <a:p>
+            <a:pPr marL="0" indent="0">
+              <a:buNone/>
+            </a:pPr>
+            <a:r>
               <a:rPr lang="en-GB" altLang="en-US" dirty="0"/>
               <a:t>+ </a:t>
             </a:r>
@@ -8094,6 +8192,20 @@
               <a:rPr lang="en-GB" altLang="en-US" dirty="0"/>
               <a:t>) </a:t>
             </a:r>
+          </a:p>
+          <a:p>
+            <a:pPr marL="0" indent="0">
+              <a:buNone/>
+            </a:pPr>
+            <a:r>
+              <a:rPr lang="en-GB" altLang="en-US" dirty="0"/>
+              <a:t>+ </a:t>
+            </a:r>
+            <a:r>
+              <a:rPr lang="vi-VN" altLang="en-US" dirty="0"/>
+              <a:t>count(value): Phương thức này trả về số lần xuất hiện của một giá trị value trong tuple.</a:t>
+            </a:r>
+            <a:endParaRPr lang="en-GB" altLang="en-US" dirty="0"/>
           </a:p>
           <a:p>
             <a:r>
@@ -22946,23 +23058,7 @@
             </a:r>
             <a:r>
               <a:rPr lang="vi-VN" dirty="0"/>
-              <a:t> gồm n</a:t>
-            </a:r>
-            <a:r>
-              <a:rPr lang="en-US" dirty="0"/>
-              <a:t> </a:t>
-            </a:r>
-            <a:r>
-              <a:rPr lang="vi-VN" dirty="0"/>
-              <a:t>=</a:t>
-            </a:r>
-            <a:r>
-              <a:rPr lang="en-US" dirty="0"/>
-              <a:t> </a:t>
-            </a:r>
-            <a:r>
-              <a:rPr lang="vi-VN" dirty="0"/>
-              <a:t>10 phần tử.</a:t>
+              <a:t> gồm n=10 phần tử.</a:t>
             </a:r>
           </a:p>
           <a:p>
@@ -23060,16 +23156,9 @@
             </a:r>
             <a:r>
               <a:rPr lang="vi-VN" dirty="0"/>
-              <a:t> Tìm phần tử lớn nhất của danh sách và vị trí phần tử lớn nhất </a:t>
-            </a:r>
-            <a:r>
-              <a:rPr lang="en-US" dirty="0" err="1"/>
-              <a:t>đó</a:t>
-            </a:r>
-            <a:r>
-              <a:rPr lang="en-US" dirty="0"/>
-              <a:t>.</a:t>
-            </a:r>
+              <a:t> Tìm phần tử lớn nhất của danh sách và vị trí phần tử lớn nhất cuối cùng</a:t>
+            </a:r>
+            <a:endParaRPr lang="en-US" dirty="0"/>
           </a:p>
         </p:txBody>
       </p:sp>
@@ -23555,19 +23644,7 @@
               <a:rPr lang="vi-VN" altLang="en-US" dirty="0">
                 <a:ea typeface="Arial" charset="0"/>
               </a:rPr>
-              <a:t>Viết chương trình nhập vào một danh sách các phần tử là </a:t>
-            </a:r>
-            <a:r>
-              <a:rPr lang="en-US" altLang="en-US" dirty="0" err="1">
-                <a:ea typeface="Arial" charset="0"/>
-              </a:rPr>
-              <a:t>nguyên</a:t>
-            </a:r>
-            <a:r>
-              <a:rPr lang="vi-VN" altLang="en-US" dirty="0">
-                <a:ea typeface="Arial" charset="0"/>
-              </a:rPr>
-              <a:t> với số phần tử bằng n</a:t>
+              <a:t>Viết chương trình nhập vào một danh sách các phần tử là số tự nhiên với số phần tử bằng n</a:t>
             </a:r>
             <a:r>
               <a:rPr lang="en-US" altLang="en-US" dirty="0">
@@ -24150,25 +24227,7 @@
               <a:rPr lang="vi-VN" altLang="en-US" dirty="0">
                 <a:ea typeface="Arial" charset="0"/>
               </a:rPr>
-              <a:t>Viết chương trình nhập vào một danh sách các phần tử là số </a:t>
-            </a:r>
-            <a:r>
-              <a:rPr lang="en-US" altLang="en-US" dirty="0" err="1">
-                <a:ea typeface="Arial" charset="0"/>
-              </a:rPr>
-              <a:t>nguyên</a:t>
-            </a:r>
-            <a:r>
-              <a:rPr lang="en-US" altLang="en-US" dirty="0">
-                <a:ea typeface="Arial" charset="0"/>
-              </a:rPr>
-              <a:t> </a:t>
-            </a:r>
-            <a:r>
-              <a:rPr lang="vi-VN" altLang="en-US" dirty="0">
-                <a:ea typeface="Arial" charset="0"/>
-              </a:rPr>
-              <a:t>cho đến khi nhập vào số 0.</a:t>
+              <a:t>Viết chương trình nhập vào một danh sách các phần tử là số tự nhiên cho đến khi nhập vào số 0.</a:t>
             </a:r>
             <a:r>
               <a:rPr lang="en-US" altLang="en-US" dirty="0">
@@ -25382,32 +25441,28 @@
               <a:t> </a:t>
             </a:r>
             <a:r>
-              <a:rPr lang="en-US" altLang="en-US" b="1" dirty="0" err="1"/>
+              <a:rPr lang="en-US" altLang="en-US" dirty="0" err="1"/>
               <a:t>dấu</a:t>
             </a:r>
             <a:r>
-              <a:rPr lang="en-US" altLang="en-US" b="1" dirty="0"/>
-              <a:t> </a:t>
-            </a:r>
-            <a:r>
-              <a:rPr lang="en-US" altLang="en-US" b="1" dirty="0" err="1"/>
+              <a:rPr lang="en-US" altLang="en-US" dirty="0"/>
+              <a:t> </a:t>
+            </a:r>
+            <a:r>
+              <a:rPr lang="en-US" altLang="en-US" dirty="0" err="1"/>
               <a:t>ngoặc</a:t>
             </a:r>
             <a:r>
-              <a:rPr lang="en-US" altLang="en-US" b="1" dirty="0"/>
-              <a:t> </a:t>
-            </a:r>
-            <a:r>
-              <a:rPr lang="en-US" altLang="en-US" b="1" dirty="0" err="1"/>
+              <a:rPr lang="en-US" altLang="en-US" dirty="0"/>
+              <a:t> </a:t>
+            </a:r>
+            <a:r>
+              <a:rPr lang="en-US" altLang="en-US" dirty="0" err="1"/>
               <a:t>vuông</a:t>
             </a:r>
             <a:r>
-              <a:rPr lang="en-US" altLang="en-US" b="1" dirty="0"/>
-              <a:t> []</a:t>
-            </a:r>
-            <a:r>
               <a:rPr lang="en-US" altLang="en-US" dirty="0"/>
-              <a:t>, </a:t>
+              <a:t> [], </a:t>
             </a:r>
             <a:r>
               <a:rPr lang="en-US" altLang="en-US" dirty="0" err="1"/>
@@ -28502,41 +28557,6 @@
               <a:t>.</a:t>
             </a:r>
           </a:p>
-          <a:p>
-            <a:pPr marL="0" indent="0">
-              <a:spcBef>
-                <a:spcPts val="725"/>
-              </a:spcBef>
-              <a:spcAft>
-                <a:spcPts val="725"/>
-              </a:spcAft>
-              <a:buNone/>
-            </a:pPr>
-            <a:r>
-              <a:rPr lang="en-US" altLang="en-US" dirty="0" err="1">
-                <a:ea typeface="Arial" charset="0"/>
-              </a:rPr>
-              <a:t>Sử</a:t>
-            </a:r>
-            <a:r>
-              <a:rPr lang="en-US" altLang="en-US" dirty="0">
-                <a:ea typeface="Arial" charset="0"/>
-              </a:rPr>
-              <a:t> </a:t>
-            </a:r>
-            <a:r>
-              <a:rPr lang="en-US" altLang="en-US" dirty="0" err="1">
-                <a:ea typeface="Arial" charset="0"/>
-              </a:rPr>
-              <a:t>dụng</a:t>
-            </a:r>
-            <a:r>
-              <a:rPr lang="en-US" altLang="en-US" dirty="0">
-                <a:ea typeface="Arial" charset="0"/>
-              </a:rPr>
-              <a:t> module random: import random</a:t>
-            </a:r>
-          </a:p>
         </p:txBody>
       </p:sp>
       <p:sp>
@@ -30259,19 +30279,7 @@
               <a:rPr lang="vi-VN" altLang="en-US" dirty="0">
                 <a:ea typeface="Arial" charset="0"/>
               </a:rPr>
-              <a:t>m trong ("'Chơi", "Yêu"] và tân ngữ là ["Bóng đá", "Bóng r</a:t>
-            </a:r>
-            <a:r>
-              <a:rPr lang="en-US" altLang="en-US" dirty="0">
-                <a:ea typeface="Arial" charset="0"/>
-              </a:rPr>
-              <a:t>ổ</a:t>
-            </a:r>
-            <a:r>
-              <a:rPr lang="vi-VN" altLang="en-US" dirty="0">
-                <a:ea typeface="Arial" charset="0"/>
-              </a:rPr>
-              <a:t>"].</a:t>
+              <a:t>m trong ("'Chơi", "Yêu"] và tân ngữ là ["Bóng đá", "Bóng rồ"].</a:t>
             </a:r>
             <a:endParaRPr lang="en-US" altLang="en-US" dirty="0">
               <a:ea typeface="Arial" charset="0"/>
@@ -32104,19 +32112,19 @@
               <a:t> </a:t>
             </a:r>
             <a:r>
-              <a:rPr lang="en-US" altLang="en-US" b="1" dirty="0" err="1"/>
+              <a:rPr lang="en-US" altLang="en-US" dirty="0" err="1"/>
               <a:t>hàm</a:t>
             </a:r>
             <a:r>
-              <a:rPr lang="en-US" altLang="en-US" b="1" dirty="0"/>
-              <a:t> </a:t>
-            </a:r>
-            <a:r>
-              <a:rPr lang="en-US" altLang="en-US" b="1" dirty="0" err="1"/>
+              <a:rPr lang="en-US" altLang="en-US" dirty="0"/>
+              <a:t> </a:t>
+            </a:r>
+            <a:r>
+              <a:rPr lang="en-US" altLang="en-US" dirty="0" err="1"/>
               <a:t>len</a:t>
             </a:r>
             <a:r>
-              <a:rPr lang="en-US" altLang="en-US" b="1" dirty="0"/>
+              <a:rPr lang="en-US" altLang="en-US" dirty="0"/>
               <a:t>() </a:t>
             </a:r>
             <a:r>
@@ -33600,16 +33608,22 @@
               <a:t>b</a:t>
             </a:r>
             <a:r>
-              <a:rPr lang="en-US" altLang="en-US" dirty="0">
+              <a:rPr lang="en-US" altLang="en-US">
                 <a:ea typeface="Arial" charset="0"/>
               </a:rPr>
               <a:t>)</a:t>
             </a:r>
             <a:r>
+              <a:rPr lang="vi-VN" altLang="en-US">
+                <a:ea typeface="Arial" charset="0"/>
+              </a:rPr>
+              <a:t> </a:t>
+            </a:r>
+            <a:r>
               <a:rPr lang="vi-VN" altLang="en-US" dirty="0">
                 <a:ea typeface="Arial" charset="0"/>
               </a:rPr>
-              <a:t> Tính tổng các phần tử của Ma trận A.</a:t>
+              <a:t>Tính tổng các phần tử của Ma trận A.</a:t>
             </a:r>
           </a:p>
           <a:p>
@@ -35250,15 +35264,7 @@
             </a:r>
             <a:r>
               <a:rPr lang="vi-VN" altLang="en-US" dirty="0"/>
-              <a:t>append(element): Thêm phần tử element vào </a:t>
-            </a:r>
-            <a:r>
-              <a:rPr lang="vi-VN" altLang="en-US" b="1" dirty="0"/>
-              <a:t>cuối</a:t>
-            </a:r>
-            <a:r>
-              <a:rPr lang="vi-VN" altLang="en-US" dirty="0"/>
-              <a:t> list.</a:t>
+              <a:t>append(element): Thêm phần tử element vào cuối list.</a:t>
             </a:r>
           </a:p>
           <a:p>
@@ -36086,23 +36092,7 @@
             </a:pPr>
             <a:r>
               <a:rPr lang="vi-VN" altLang="en-US" dirty="0"/>
-              <a:t>sorted(list): </a:t>
-            </a:r>
-            <a:r>
-              <a:rPr lang="vi-VN" altLang="en-US" b="1" dirty="0"/>
-              <a:t>Trả về một list mới</a:t>
-            </a:r>
-            <a:r>
-              <a:rPr lang="vi-VN" altLang="en-US" dirty="0"/>
-              <a:t> chứa các phần tử trong list đã được sắp xếp, </a:t>
-            </a:r>
-            <a:r>
-              <a:rPr lang="vi-VN" altLang="en-US" b="1" dirty="0"/>
-              <a:t>không thay đổi list ban đầu</a:t>
-            </a:r>
-            <a:r>
-              <a:rPr lang="vi-VN" altLang="en-US" dirty="0"/>
-              <a:t>.</a:t>
+              <a:t>sorted(list): Trả về một list mới chứa các phần tử trong list đã được sắp xếp, không thay đổi list ban đầu.</a:t>
             </a:r>
             <a:endParaRPr lang="en-US" altLang="en-US" dirty="0"/>
           </a:p>
@@ -36630,15 +36620,7 @@
           <a:p>
             <a:r>
               <a:rPr lang="vi-VN" altLang="en-US" dirty="0"/>
-              <a:t>List comprehension là một cú pháp trong Python cho </a:t>
-            </a:r>
-            <a:r>
-              <a:rPr lang="vi-VN" altLang="en-US" b="1" dirty="0"/>
-              <a:t>phép tạo danh sách mới </a:t>
-            </a:r>
-            <a:r>
-              <a:rPr lang="vi-VN" altLang="en-US" dirty="0"/>
-              <a:t>bằng cách áp dụng biểu thức lên các phần tử của một iterable. Nó cung cấp một cách ngắn gọn và mạnh mẽ để thực hiện các thao tác biến đổi và lọc dữ liệu trên danh sách.</a:t>
+              <a:t>List comprehension là một cú pháp trong Python cho phép tạo danh sách mới bằng cách áp dụng biểu thức lên các phần tử của một iterable. Nó cung cấp một cách ngắn gọn và mạnh mẽ để thực hiện các thao tác biến đổi và lọc dữ liệu trên danh sách.</a:t>
             </a:r>
             <a:endParaRPr lang="en-US" altLang="en-US" dirty="0"/>
           </a:p>

--- a/Lab 6 + 7/Lab 6 bài giảng.pptx
+++ b/Lab 6 + 7/Lab 6 bài giảng.pptx
@@ -217,6 +217,30 @@
 
 <file path=ppt/changesInfos/changesInfo1.xml><?xml version="1.0" encoding="utf-8"?>
 <pc:chgInfo xmlns:a="http://schemas.openxmlformats.org/drawingml/2006/main" xmlns:r="http://schemas.openxmlformats.org/officeDocument/2006/relationships" xmlns:ac="http://schemas.microsoft.com/office/drawing/2013/main/command" xmlns:pc="http://schemas.microsoft.com/office/powerpoint/2013/main/command">
+  <pc:docChgLst>
+    <pc:chgData name="Hang Anh Le" userId="afddc9ce3bd7fde8" providerId="LiveId" clId="{277579D8-EE01-49CB-80CD-166F76F0DEC7}"/>
+    <pc:docChg chg="modSld">
+      <pc:chgData name="Hang Anh Le" userId="afddc9ce3bd7fde8" providerId="LiveId" clId="{277579D8-EE01-49CB-80CD-166F76F0DEC7}" dt="2024-05-03T06:37:53.798" v="4" actId="20577"/>
+      <pc:docMkLst>
+        <pc:docMk/>
+      </pc:docMkLst>
+      <pc:sldChg chg="modSp mod">
+        <pc:chgData name="Hang Anh Le" userId="afddc9ce3bd7fde8" providerId="LiveId" clId="{277579D8-EE01-49CB-80CD-166F76F0DEC7}" dt="2024-05-03T06:37:53.798" v="4" actId="20577"/>
+        <pc:sldMkLst>
+          <pc:docMk/>
+          <pc:sldMk cId="1641365349" sldId="336"/>
+        </pc:sldMkLst>
+        <pc:spChg chg="mod">
+          <ac:chgData name="Hang Anh Le" userId="afddc9ce3bd7fde8" providerId="LiveId" clId="{277579D8-EE01-49CB-80CD-166F76F0DEC7}" dt="2024-05-03T06:37:53.798" v="4" actId="20577"/>
+          <ac:spMkLst>
+            <pc:docMk/>
+            <pc:sldMk cId="1641365349" sldId="336"/>
+            <ac:spMk id="3" creationId="{00000000-0000-0000-0000-000000000000}"/>
+          </ac:spMkLst>
+        </pc:spChg>
+      </pc:sldChg>
+    </pc:docChg>
+  </pc:docChgLst>
   <pc:docChgLst>
     <pc:chgData name="Hang Anh Le" userId="afddc9ce3bd7fde8" providerId="LiveId" clId="{804A05F1-4672-43C5-977F-8AB3B7FDB501}"/>
     <pc:docChg chg="undo custSel modSld">
@@ -20424,7 +20448,7 @@
               <a:rPr lang="en-US" altLang="en-US" dirty="0" err="1">
                 <a:ea typeface="Arial" charset="0"/>
               </a:rPr>
-              <a:t>mọt</a:t>
+              <a:t>một</a:t>
             </a:r>
             <a:r>
               <a:rPr lang="en-US" altLang="en-US" dirty="0">

--- a/Lab 6 + 7/Lab 6 bài giảng.pptx
+++ b/Lab 6 + 7/Lab 6 bài giảng.pptx
@@ -213,82 +213,6 @@
     </p:extLst>
   </p:cmAuthor>
 </p:cmAuthorLst>
-</file>
-
-<file path=ppt/changesInfos/changesInfo1.xml><?xml version="1.0" encoding="utf-8"?>
-<pc:chgInfo xmlns:a="http://schemas.openxmlformats.org/drawingml/2006/main" xmlns:r="http://schemas.openxmlformats.org/officeDocument/2006/relationships" xmlns:ac="http://schemas.microsoft.com/office/drawing/2013/main/command" xmlns:pc="http://schemas.microsoft.com/office/powerpoint/2013/main/command">
-  <pc:docChgLst>
-    <pc:chgData name="Hang Anh Le" userId="afddc9ce3bd7fde8" providerId="LiveId" clId="{277579D8-EE01-49CB-80CD-166F76F0DEC7}"/>
-    <pc:docChg chg="modSld">
-      <pc:chgData name="Hang Anh Le" userId="afddc9ce3bd7fde8" providerId="LiveId" clId="{277579D8-EE01-49CB-80CD-166F76F0DEC7}" dt="2024-05-03T06:37:53.798" v="4" actId="20577"/>
-      <pc:docMkLst>
-        <pc:docMk/>
-      </pc:docMkLst>
-      <pc:sldChg chg="modSp mod">
-        <pc:chgData name="Hang Anh Le" userId="afddc9ce3bd7fde8" providerId="LiveId" clId="{277579D8-EE01-49CB-80CD-166F76F0DEC7}" dt="2024-05-03T06:37:53.798" v="4" actId="20577"/>
-        <pc:sldMkLst>
-          <pc:docMk/>
-          <pc:sldMk cId="1641365349" sldId="336"/>
-        </pc:sldMkLst>
-        <pc:spChg chg="mod">
-          <ac:chgData name="Hang Anh Le" userId="afddc9ce3bd7fde8" providerId="LiveId" clId="{277579D8-EE01-49CB-80CD-166F76F0DEC7}" dt="2024-05-03T06:37:53.798" v="4" actId="20577"/>
-          <ac:spMkLst>
-            <pc:docMk/>
-            <pc:sldMk cId="1641365349" sldId="336"/>
-            <ac:spMk id="3" creationId="{00000000-0000-0000-0000-000000000000}"/>
-          </ac:spMkLst>
-        </pc:spChg>
-      </pc:sldChg>
-    </pc:docChg>
-  </pc:docChgLst>
-  <pc:docChgLst>
-    <pc:chgData name="Hang Anh Le" userId="afddc9ce3bd7fde8" providerId="LiveId" clId="{804A05F1-4672-43C5-977F-8AB3B7FDB501}"/>
-    <pc:docChg chg="undo custSel modSld">
-      <pc:chgData name="Hang Anh Le" userId="afddc9ce3bd7fde8" providerId="LiveId" clId="{804A05F1-4672-43C5-977F-8AB3B7FDB501}" dt="2024-05-02T17:05:20.553" v="35"/>
-      <pc:docMkLst>
-        <pc:docMk/>
-      </pc:docMkLst>
-      <pc:sldChg chg="modSp mod">
-        <pc:chgData name="Hang Anh Le" userId="afddc9ce3bd7fde8" providerId="LiveId" clId="{804A05F1-4672-43C5-977F-8AB3B7FDB501}" dt="2024-05-02T17:00:36.974" v="12" actId="20577"/>
-        <pc:sldMkLst>
-          <pc:docMk/>
-          <pc:sldMk cId="1340241307" sldId="319"/>
-        </pc:sldMkLst>
-        <pc:spChg chg="mod">
-          <ac:chgData name="Hang Anh Le" userId="afddc9ce3bd7fde8" providerId="LiveId" clId="{804A05F1-4672-43C5-977F-8AB3B7FDB501}" dt="2024-05-02T17:00:36.974" v="12" actId="20577"/>
-          <ac:spMkLst>
-            <pc:docMk/>
-            <pc:sldMk cId="1340241307" sldId="319"/>
-            <ac:spMk id="3" creationId="{00000000-0000-0000-0000-000000000000}"/>
-          </ac:spMkLst>
-        </pc:spChg>
-      </pc:sldChg>
-      <pc:sldChg chg="addSp delSp modSp mod">
-        <pc:chgData name="Hang Anh Le" userId="afddc9ce3bd7fde8" providerId="LiveId" clId="{804A05F1-4672-43C5-977F-8AB3B7FDB501}" dt="2024-05-02T17:05:20.553" v="35"/>
-        <pc:sldMkLst>
-          <pc:docMk/>
-          <pc:sldMk cId="3286310913" sldId="353"/>
-        </pc:sldMkLst>
-        <pc:spChg chg="mod">
-          <ac:chgData name="Hang Anh Le" userId="afddc9ce3bd7fde8" providerId="LiveId" clId="{804A05F1-4672-43C5-977F-8AB3B7FDB501}" dt="2024-05-02T17:05:20.553" v="35"/>
-          <ac:spMkLst>
-            <pc:docMk/>
-            <pc:sldMk cId="3286310913" sldId="353"/>
-            <ac:spMk id="3" creationId="{00000000-0000-0000-0000-000000000000}"/>
-          </ac:spMkLst>
-        </pc:spChg>
-        <pc:spChg chg="add del">
-          <ac:chgData name="Hang Anh Le" userId="afddc9ce3bd7fde8" providerId="LiveId" clId="{804A05F1-4672-43C5-977F-8AB3B7FDB501}" dt="2024-05-02T17:05:18.776" v="33"/>
-          <ac:spMkLst>
-            <pc:docMk/>
-            <pc:sldMk cId="3286310913" sldId="353"/>
-            <ac:spMk id="4" creationId="{4BA7B324-7FB3-4CE7-81CC-8038EF957C79}"/>
-          </ac:spMkLst>
-        </pc:spChg>
-      </pc:sldChg>
-    </pc:docChg>
-  </pc:docChgLst>
-</pc:chgInfo>
 </file>
 
 <file path=ppt/handoutMasters/handoutMaster1.xml><?xml version="1.0" encoding="utf-8"?>
@@ -5746,12 +5670,7 @@
             <p:ph idx="1"/>
           </p:nvPr>
         </p:nvSpPr>
-        <p:spPr>
-          <a:xfrm>
-            <a:off x="392626" y="1295401"/>
-            <a:ext cx="11406748" cy="4536548"/>
-          </a:xfrm>
-        </p:spPr>
+        <p:spPr/>
         <p:txBody>
           <a:bodyPr>
             <a:normAutofit/>
@@ -5899,30 +5818,6 @@
             </a:r>
           </a:p>
           <a:p>
-            <a:r>
-              <a:rPr lang="en-US" altLang="en-US" dirty="0"/>
-              <a:t>N</a:t>
-            </a:r>
-            <a:r>
-              <a:rPr lang="vi-VN" altLang="en-US" dirty="0"/>
-              <a:t>ếu như tuple chỉ chứa duy nhất một giá trị thì bắt buộc bạn phải thêm một dấu </a:t>
-            </a:r>
-            <a:r>
-              <a:rPr lang="en-US" altLang="en-US" dirty="0"/>
-              <a:t>“</a:t>
-            </a:r>
-            <a:r>
-              <a:rPr lang="vi-VN" altLang="en-US" dirty="0"/>
-              <a:t>,</a:t>
-            </a:r>
-            <a:r>
-              <a:rPr lang="en-US" altLang="en-US" dirty="0"/>
-              <a:t>”</a:t>
-            </a:r>
-            <a:r>
-              <a:rPr lang="vi-VN" altLang="en-US" dirty="0"/>
-              <a:t> nữa đằng sau giá trị đó.</a:t>
-            </a:r>
             <a:endParaRPr lang="en-US" altLang="en-US" dirty="0"/>
           </a:p>
           <a:p>
@@ -7818,7 +7713,7 @@
         </p:spPr>
         <p:txBody>
           <a:bodyPr>
-            <a:normAutofit fontScale="92500" lnSpcReduction="10000"/>
+            <a:normAutofit/>
           </a:bodyPr>
           <a:lstStyle/>
           <a:p>
@@ -8000,9 +7895,24 @@
               <a:rPr lang="vi-VN" altLang="en-US" dirty="0"/>
               <a:t>Trích xuất một phần của tuple từ vị trí start đến vị trí end-1 với bước step.</a:t>
             </a:r>
-            <a:r>
-              <a:rPr lang="en-US" altLang="en-US" dirty="0"/>
-              <a:t> </a:t>
+            <a:endParaRPr lang="en-US" altLang="en-US" dirty="0"/>
+          </a:p>
+          <a:p>
+            <a:r>
+              <a:rPr lang="en-US" altLang="en-US" b="1" dirty="0" err="1"/>
+              <a:t>Nối</a:t>
+            </a:r>
+            <a:r>
+              <a:rPr lang="en-US" altLang="en-US" b="1" dirty="0"/>
+              <a:t> </a:t>
+            </a:r>
+            <a:r>
+              <a:rPr lang="en-US" altLang="en-US" b="1" dirty="0" err="1"/>
+              <a:t>các</a:t>
+            </a:r>
+            <a:r>
+              <a:rPr lang="en-US" altLang="en-US" b="1" dirty="0"/>
+              <a:t> tuple</a:t>
             </a:r>
           </a:p>
           <a:p>
@@ -8011,29 +7921,136 @@
             </a:pPr>
             <a:r>
               <a:rPr lang="en-US" altLang="en-US" dirty="0"/>
-              <a:t>+ </a:t>
-            </a:r>
-            <a:r>
-              <a:rPr lang="vi-VN" altLang="en-US" dirty="0"/>
-              <a:t>index(value): Phương thức này trả về chỉ mục (index) đầu tiên của một giá trị value trong tuple.</a:t>
-            </a:r>
-            <a:endParaRPr lang="en-US" altLang="en-US" dirty="0"/>
-          </a:p>
-          <a:p>
-            <a:r>
-              <a:rPr lang="en-US" altLang="en-US" b="1" dirty="0" err="1"/>
-              <a:t>Nối</a:t>
-            </a:r>
-            <a:r>
-              <a:rPr lang="en-US" altLang="en-US" b="1" dirty="0"/>
-              <a:t> </a:t>
-            </a:r>
-            <a:r>
-              <a:rPr lang="en-US" altLang="en-US" b="1" dirty="0" err="1"/>
+              <a:t>+ tuple1 + tuple2 + tuple3 + ...: </a:t>
+            </a:r>
+            <a:r>
+              <a:rPr lang="en-US" altLang="en-US" dirty="0" err="1"/>
+              <a:t>Tạo</a:t>
+            </a:r>
+            <a:r>
+              <a:rPr lang="en-US" altLang="en-US" dirty="0"/>
+              <a:t> </a:t>
+            </a:r>
+            <a:r>
+              <a:rPr lang="en-US" altLang="en-US" dirty="0" err="1"/>
+              <a:t>một</a:t>
+            </a:r>
+            <a:r>
+              <a:rPr lang="en-US" altLang="en-US" dirty="0"/>
+              <a:t> tuple </a:t>
+            </a:r>
+            <a:r>
+              <a:rPr lang="en-US" altLang="en-US" dirty="0" err="1"/>
+              <a:t>mới</a:t>
+            </a:r>
+            <a:r>
+              <a:rPr lang="en-US" altLang="en-US" dirty="0"/>
+              <a:t> </a:t>
+            </a:r>
+            <a:r>
+              <a:rPr lang="en-US" altLang="en-US" dirty="0" err="1"/>
+              <a:t>chứa</a:t>
+            </a:r>
+            <a:r>
+              <a:rPr lang="en-US" altLang="en-US" dirty="0"/>
+              <a:t> </a:t>
+            </a:r>
+            <a:r>
+              <a:rPr lang="en-US" altLang="en-US" dirty="0" err="1"/>
+              <a:t>tất</a:t>
+            </a:r>
+            <a:r>
+              <a:rPr lang="en-US" altLang="en-US" dirty="0"/>
+              <a:t> </a:t>
+            </a:r>
+            <a:r>
+              <a:rPr lang="en-US" altLang="en-US" dirty="0" err="1"/>
+              <a:t>cả</a:t>
+            </a:r>
+            <a:r>
+              <a:rPr lang="en-US" altLang="en-US" dirty="0"/>
+              <a:t> </a:t>
+            </a:r>
+            <a:r>
+              <a:rPr lang="en-US" altLang="en-US" dirty="0" err="1"/>
               <a:t>các</a:t>
             </a:r>
             <a:r>
-              <a:rPr lang="en-US" altLang="en-US" b="1" dirty="0"/>
+              <a:rPr lang="en-US" altLang="en-US" dirty="0"/>
+              <a:t> </a:t>
+            </a:r>
+            <a:r>
+              <a:rPr lang="en-US" altLang="en-US" dirty="0" err="1"/>
+              <a:t>phần</a:t>
+            </a:r>
+            <a:r>
+              <a:rPr lang="en-US" altLang="en-US" dirty="0"/>
+              <a:t> </a:t>
+            </a:r>
+            <a:r>
+              <a:rPr lang="en-US" altLang="en-US" dirty="0" err="1"/>
+              <a:t>tử</a:t>
+            </a:r>
+            <a:r>
+              <a:rPr lang="en-US" altLang="en-US" dirty="0"/>
+              <a:t> </a:t>
+            </a:r>
+            <a:r>
+              <a:rPr lang="en-US" altLang="en-US" dirty="0" err="1"/>
+              <a:t>từ</a:t>
+            </a:r>
+            <a:r>
+              <a:rPr lang="en-US" altLang="en-US" dirty="0"/>
+              <a:t> </a:t>
+            </a:r>
+            <a:r>
+              <a:rPr lang="en-US" altLang="en-US" dirty="0" err="1"/>
+              <a:t>các</a:t>
+            </a:r>
+            <a:r>
+              <a:rPr lang="en-US" altLang="en-US" dirty="0"/>
+              <a:t> tuple ban </a:t>
+            </a:r>
+            <a:r>
+              <a:rPr lang="en-US" altLang="en-US" dirty="0" err="1"/>
+              <a:t>đầu</a:t>
+            </a:r>
+            <a:r>
+              <a:rPr lang="en-US" altLang="en-US" dirty="0"/>
+              <a:t>.</a:t>
+            </a:r>
+          </a:p>
+          <a:p>
+            <a:r>
+              <a:rPr lang="en-GB" altLang="en-US" b="1" dirty="0" err="1"/>
+              <a:t>Đếm</a:t>
+            </a:r>
+            <a:r>
+              <a:rPr lang="en-GB" altLang="en-US" b="1" dirty="0"/>
+              <a:t> </a:t>
+            </a:r>
+            <a:r>
+              <a:rPr lang="en-GB" altLang="en-US" b="1" dirty="0" err="1"/>
+              <a:t>phần</a:t>
+            </a:r>
+            <a:r>
+              <a:rPr lang="en-GB" altLang="en-US" b="1" dirty="0"/>
+              <a:t> </a:t>
+            </a:r>
+            <a:r>
+              <a:rPr lang="en-GB" altLang="en-US" b="1" dirty="0" err="1"/>
+              <a:t>tử</a:t>
+            </a:r>
+            <a:r>
+              <a:rPr lang="en-GB" altLang="en-US" b="1" dirty="0"/>
+              <a:t> </a:t>
+            </a:r>
+            <a:r>
+              <a:rPr lang="en-GB" altLang="en-US" b="1" dirty="0" err="1"/>
+              <a:t>trong</a:t>
+            </a:r>
+            <a:r>
+              <a:rPr lang="en-GB" altLang="en-US" b="1" dirty="0"/>
               <a:t> tuple</a:t>
             </a:r>
           </a:p>
@@ -8042,145 +8059,6 @@
               <a:buNone/>
             </a:pPr>
             <a:r>
-              <a:rPr lang="en-US" altLang="en-US" dirty="0"/>
-              <a:t>+ tuple1 + tuple2 + tuple3 + ...: </a:t>
-            </a:r>
-            <a:r>
-              <a:rPr lang="en-US" altLang="en-US" dirty="0" err="1"/>
-              <a:t>Tạo</a:t>
-            </a:r>
-            <a:r>
-              <a:rPr lang="en-US" altLang="en-US" dirty="0"/>
-              <a:t> </a:t>
-            </a:r>
-            <a:r>
-              <a:rPr lang="en-US" altLang="en-US" dirty="0" err="1"/>
-              <a:t>một</a:t>
-            </a:r>
-            <a:r>
-              <a:rPr lang="en-US" altLang="en-US" dirty="0"/>
-              <a:t> tuple </a:t>
-            </a:r>
-            <a:r>
-              <a:rPr lang="en-US" altLang="en-US" dirty="0" err="1"/>
-              <a:t>mới</a:t>
-            </a:r>
-            <a:r>
-              <a:rPr lang="en-US" altLang="en-US" dirty="0"/>
-              <a:t> </a:t>
-            </a:r>
-            <a:r>
-              <a:rPr lang="en-US" altLang="en-US" dirty="0" err="1"/>
-              <a:t>chứa</a:t>
-            </a:r>
-            <a:r>
-              <a:rPr lang="en-US" altLang="en-US" dirty="0"/>
-              <a:t> </a:t>
-            </a:r>
-            <a:r>
-              <a:rPr lang="en-US" altLang="en-US" dirty="0" err="1"/>
-              <a:t>tất</a:t>
-            </a:r>
-            <a:r>
-              <a:rPr lang="en-US" altLang="en-US" dirty="0"/>
-              <a:t> </a:t>
-            </a:r>
-            <a:r>
-              <a:rPr lang="en-US" altLang="en-US" dirty="0" err="1"/>
-              <a:t>cả</a:t>
-            </a:r>
-            <a:r>
-              <a:rPr lang="en-US" altLang="en-US" dirty="0"/>
-              <a:t> </a:t>
-            </a:r>
-            <a:r>
-              <a:rPr lang="en-US" altLang="en-US" dirty="0" err="1"/>
-              <a:t>các</a:t>
-            </a:r>
-            <a:r>
-              <a:rPr lang="en-US" altLang="en-US" dirty="0"/>
-              <a:t> </a:t>
-            </a:r>
-            <a:r>
-              <a:rPr lang="en-US" altLang="en-US" dirty="0" err="1"/>
-              <a:t>phần</a:t>
-            </a:r>
-            <a:r>
-              <a:rPr lang="en-US" altLang="en-US" dirty="0"/>
-              <a:t> </a:t>
-            </a:r>
-            <a:r>
-              <a:rPr lang="en-US" altLang="en-US" dirty="0" err="1"/>
-              <a:t>tử</a:t>
-            </a:r>
-            <a:r>
-              <a:rPr lang="en-US" altLang="en-US" dirty="0"/>
-              <a:t> </a:t>
-            </a:r>
-            <a:r>
-              <a:rPr lang="en-US" altLang="en-US" dirty="0" err="1"/>
-              <a:t>từ</a:t>
-            </a:r>
-            <a:r>
-              <a:rPr lang="en-US" altLang="en-US" dirty="0"/>
-              <a:t> </a:t>
-            </a:r>
-            <a:r>
-              <a:rPr lang="en-US" altLang="en-US" dirty="0" err="1"/>
-              <a:t>các</a:t>
-            </a:r>
-            <a:r>
-              <a:rPr lang="en-US" altLang="en-US" dirty="0"/>
-              <a:t> tuple ban </a:t>
-            </a:r>
-            <a:r>
-              <a:rPr lang="en-US" altLang="en-US" dirty="0" err="1"/>
-              <a:t>đầu</a:t>
-            </a:r>
-            <a:r>
-              <a:rPr lang="en-US" altLang="en-US" dirty="0"/>
-              <a:t>.</a:t>
-            </a:r>
-          </a:p>
-          <a:p>
-            <a:r>
-              <a:rPr lang="en-GB" altLang="en-US" b="1" dirty="0" err="1"/>
-              <a:t>Đếm</a:t>
-            </a:r>
-            <a:r>
-              <a:rPr lang="en-GB" altLang="en-US" b="1" dirty="0"/>
-              <a:t> </a:t>
-            </a:r>
-            <a:r>
-              <a:rPr lang="en-GB" altLang="en-US" b="1" dirty="0" err="1"/>
-              <a:t>phần</a:t>
-            </a:r>
-            <a:r>
-              <a:rPr lang="en-GB" altLang="en-US" b="1" dirty="0"/>
-              <a:t> </a:t>
-            </a:r>
-            <a:r>
-              <a:rPr lang="en-GB" altLang="en-US" b="1" dirty="0" err="1"/>
-              <a:t>tử</a:t>
-            </a:r>
-            <a:r>
-              <a:rPr lang="en-GB" altLang="en-US" b="1" dirty="0"/>
-              <a:t> </a:t>
-            </a:r>
-            <a:r>
-              <a:rPr lang="en-GB" altLang="en-US" b="1" dirty="0" err="1"/>
-              <a:t>trong</a:t>
-            </a:r>
-            <a:r>
-              <a:rPr lang="en-GB" altLang="en-US" b="1" dirty="0"/>
-              <a:t> tuple</a:t>
-            </a:r>
-          </a:p>
-          <a:p>
-            <a:pPr marL="0" indent="0">
-              <a:buNone/>
-            </a:pPr>
-            <a:r>
               <a:rPr lang="en-GB" altLang="en-US" dirty="0"/>
               <a:t>+ </a:t>
             </a:r>
@@ -8216,20 +8094,6 @@
               <a:rPr lang="en-GB" altLang="en-US" dirty="0"/>
               <a:t>) </a:t>
             </a:r>
-          </a:p>
-          <a:p>
-            <a:pPr marL="0" indent="0">
-              <a:buNone/>
-            </a:pPr>
-            <a:r>
-              <a:rPr lang="en-GB" altLang="en-US" dirty="0"/>
-              <a:t>+ </a:t>
-            </a:r>
-            <a:r>
-              <a:rPr lang="vi-VN" altLang="en-US" dirty="0"/>
-              <a:t>count(value): Phương thức này trả về số lần xuất hiện của một giá trị value trong tuple.</a:t>
-            </a:r>
-            <a:endParaRPr lang="en-GB" altLang="en-US" dirty="0"/>
           </a:p>
           <a:p>
             <a:r>
@@ -20448,7 +20312,7 @@
               <a:rPr lang="en-US" altLang="en-US" dirty="0" err="1">
                 <a:ea typeface="Arial" charset="0"/>
               </a:rPr>
-              <a:t>một</a:t>
+              <a:t>mọt</a:t>
             </a:r>
             <a:r>
               <a:rPr lang="en-US" altLang="en-US" dirty="0">
@@ -23082,7 +22946,23 @@
             </a:r>
             <a:r>
               <a:rPr lang="vi-VN" dirty="0"/>
-              <a:t> gồm n=10 phần tử.</a:t>
+              <a:t> gồm n</a:t>
+            </a:r>
+            <a:r>
+              <a:rPr lang="en-US" dirty="0"/>
+              <a:t> </a:t>
+            </a:r>
+            <a:r>
+              <a:rPr lang="vi-VN" dirty="0"/>
+              <a:t>=</a:t>
+            </a:r>
+            <a:r>
+              <a:rPr lang="en-US" dirty="0"/>
+              <a:t> </a:t>
+            </a:r>
+            <a:r>
+              <a:rPr lang="vi-VN" dirty="0"/>
+              <a:t>10 phần tử.</a:t>
             </a:r>
           </a:p>
           <a:p>
@@ -23180,9 +23060,16 @@
             </a:r>
             <a:r>
               <a:rPr lang="vi-VN" dirty="0"/>
-              <a:t> Tìm phần tử lớn nhất của danh sách và vị trí phần tử lớn nhất cuối cùng</a:t>
-            </a:r>
-            <a:endParaRPr lang="en-US" dirty="0"/>
+              <a:t> Tìm phần tử lớn nhất của danh sách và vị trí phần tử lớn nhất </a:t>
+            </a:r>
+            <a:r>
+              <a:rPr lang="en-US" dirty="0" err="1"/>
+              <a:t>đó</a:t>
+            </a:r>
+            <a:r>
+              <a:rPr lang="en-US" dirty="0"/>
+              <a:t>.</a:t>
+            </a:r>
           </a:p>
         </p:txBody>
       </p:sp>
@@ -23668,7 +23555,19 @@
               <a:rPr lang="vi-VN" altLang="en-US" dirty="0">
                 <a:ea typeface="Arial" charset="0"/>
               </a:rPr>
-              <a:t>Viết chương trình nhập vào một danh sách các phần tử là số tự nhiên với số phần tử bằng n</a:t>
+              <a:t>Viết chương trình nhập vào một danh sách các phần tử là </a:t>
+            </a:r>
+            <a:r>
+              <a:rPr lang="en-US" altLang="en-US" dirty="0" err="1">
+                <a:ea typeface="Arial" charset="0"/>
+              </a:rPr>
+              <a:t>nguyên</a:t>
+            </a:r>
+            <a:r>
+              <a:rPr lang="vi-VN" altLang="en-US" dirty="0">
+                <a:ea typeface="Arial" charset="0"/>
+              </a:rPr>
+              <a:t> với số phần tử bằng n</a:t>
             </a:r>
             <a:r>
               <a:rPr lang="en-US" altLang="en-US" dirty="0">
@@ -24251,7 +24150,25 @@
               <a:rPr lang="vi-VN" altLang="en-US" dirty="0">
                 <a:ea typeface="Arial" charset="0"/>
               </a:rPr>
-              <a:t>Viết chương trình nhập vào một danh sách các phần tử là số tự nhiên cho đến khi nhập vào số 0.</a:t>
+              <a:t>Viết chương trình nhập vào một danh sách các phần tử là số </a:t>
+            </a:r>
+            <a:r>
+              <a:rPr lang="en-US" altLang="en-US" dirty="0" err="1">
+                <a:ea typeface="Arial" charset="0"/>
+              </a:rPr>
+              <a:t>nguyên</a:t>
+            </a:r>
+            <a:r>
+              <a:rPr lang="en-US" altLang="en-US" dirty="0">
+                <a:ea typeface="Arial" charset="0"/>
+              </a:rPr>
+              <a:t> </a:t>
+            </a:r>
+            <a:r>
+              <a:rPr lang="vi-VN" altLang="en-US" dirty="0">
+                <a:ea typeface="Arial" charset="0"/>
+              </a:rPr>
+              <a:t>cho đến khi nhập vào số 0.</a:t>
             </a:r>
             <a:r>
               <a:rPr lang="en-US" altLang="en-US" dirty="0">
@@ -25465,28 +25382,32 @@
               <a:t> </a:t>
             </a:r>
             <a:r>
-              <a:rPr lang="en-US" altLang="en-US" dirty="0" err="1"/>
+              <a:rPr lang="en-US" altLang="en-US" b="1" dirty="0" err="1"/>
               <a:t>dấu</a:t>
             </a:r>
             <a:r>
+              <a:rPr lang="en-US" altLang="en-US" b="1" dirty="0"/>
+              <a:t> </a:t>
+            </a:r>
+            <a:r>
+              <a:rPr lang="en-US" altLang="en-US" b="1" dirty="0" err="1"/>
+              <a:t>ngoặc</a:t>
+            </a:r>
+            <a:r>
+              <a:rPr lang="en-US" altLang="en-US" b="1" dirty="0"/>
+              <a:t> </a:t>
+            </a:r>
+            <a:r>
+              <a:rPr lang="en-US" altLang="en-US" b="1" dirty="0" err="1"/>
+              <a:t>vuông</a:t>
+            </a:r>
+            <a:r>
+              <a:rPr lang="en-US" altLang="en-US" b="1" dirty="0"/>
+              <a:t> []</a:t>
+            </a:r>
+            <a:r>
               <a:rPr lang="en-US" altLang="en-US" dirty="0"/>
-              <a:t> </a:t>
-            </a:r>
-            <a:r>
-              <a:rPr lang="en-US" altLang="en-US" dirty="0" err="1"/>
-              <a:t>ngoặc</a:t>
-            </a:r>
-            <a:r>
-              <a:rPr lang="en-US" altLang="en-US" dirty="0"/>
-              <a:t> </a:t>
-            </a:r>
-            <a:r>
-              <a:rPr lang="en-US" altLang="en-US" dirty="0" err="1"/>
-              <a:t>vuông</a:t>
-            </a:r>
-            <a:r>
-              <a:rPr lang="en-US" altLang="en-US" dirty="0"/>
-              <a:t> [], </a:t>
+              <a:t>, </a:t>
             </a:r>
             <a:r>
               <a:rPr lang="en-US" altLang="en-US" dirty="0" err="1"/>
@@ -28581,6 +28502,41 @@
               <a:t>.</a:t>
             </a:r>
           </a:p>
+          <a:p>
+            <a:pPr marL="0" indent="0">
+              <a:spcBef>
+                <a:spcPts val="725"/>
+              </a:spcBef>
+              <a:spcAft>
+                <a:spcPts val="725"/>
+              </a:spcAft>
+              <a:buNone/>
+            </a:pPr>
+            <a:r>
+              <a:rPr lang="en-US" altLang="en-US" dirty="0" err="1">
+                <a:ea typeface="Arial" charset="0"/>
+              </a:rPr>
+              <a:t>Sử</a:t>
+            </a:r>
+            <a:r>
+              <a:rPr lang="en-US" altLang="en-US" dirty="0">
+                <a:ea typeface="Arial" charset="0"/>
+              </a:rPr>
+              <a:t> </a:t>
+            </a:r>
+            <a:r>
+              <a:rPr lang="en-US" altLang="en-US" dirty="0" err="1">
+                <a:ea typeface="Arial" charset="0"/>
+              </a:rPr>
+              <a:t>dụng</a:t>
+            </a:r>
+            <a:r>
+              <a:rPr lang="en-US" altLang="en-US" dirty="0">
+                <a:ea typeface="Arial" charset="0"/>
+              </a:rPr>
+              <a:t> module random: import random</a:t>
+            </a:r>
+          </a:p>
         </p:txBody>
       </p:sp>
       <p:sp>
@@ -30303,7 +30259,19 @@
               <a:rPr lang="vi-VN" altLang="en-US" dirty="0">
                 <a:ea typeface="Arial" charset="0"/>
               </a:rPr>
-              <a:t>m trong ("'Chơi", "Yêu"] và tân ngữ là ["Bóng đá", "Bóng rồ"].</a:t>
+              <a:t>m trong ("'Chơi", "Yêu"] và tân ngữ là ["Bóng đá", "Bóng r</a:t>
+            </a:r>
+            <a:r>
+              <a:rPr lang="en-US" altLang="en-US" dirty="0">
+                <a:ea typeface="Arial" charset="0"/>
+              </a:rPr>
+              <a:t>ổ</a:t>
+            </a:r>
+            <a:r>
+              <a:rPr lang="vi-VN" altLang="en-US" dirty="0">
+                <a:ea typeface="Arial" charset="0"/>
+              </a:rPr>
+              <a:t>"].</a:t>
             </a:r>
             <a:endParaRPr lang="en-US" altLang="en-US" dirty="0">
               <a:ea typeface="Arial" charset="0"/>
@@ -32136,19 +32104,19 @@
               <a:t> </a:t>
             </a:r>
             <a:r>
-              <a:rPr lang="en-US" altLang="en-US" dirty="0" err="1"/>
+              <a:rPr lang="en-US" altLang="en-US" b="1" dirty="0" err="1"/>
               <a:t>hàm</a:t>
             </a:r>
             <a:r>
-              <a:rPr lang="en-US" altLang="en-US" dirty="0"/>
-              <a:t> </a:t>
-            </a:r>
-            <a:r>
-              <a:rPr lang="en-US" altLang="en-US" dirty="0" err="1"/>
+              <a:rPr lang="en-US" altLang="en-US" b="1" dirty="0"/>
+              <a:t> </a:t>
+            </a:r>
+            <a:r>
+              <a:rPr lang="en-US" altLang="en-US" b="1" dirty="0" err="1"/>
               <a:t>len</a:t>
             </a:r>
             <a:r>
-              <a:rPr lang="en-US" altLang="en-US" dirty="0"/>
+              <a:rPr lang="en-US" altLang="en-US" b="1" dirty="0"/>
               <a:t>() </a:t>
             </a:r>
             <a:r>
@@ -33632,22 +33600,16 @@
               <a:t>b</a:t>
             </a:r>
             <a:r>
-              <a:rPr lang="en-US" altLang="en-US">
+              <a:rPr lang="en-US" altLang="en-US" dirty="0">
                 <a:ea typeface="Arial" charset="0"/>
               </a:rPr>
               <a:t>)</a:t>
             </a:r>
             <a:r>
-              <a:rPr lang="vi-VN" altLang="en-US">
-                <a:ea typeface="Arial" charset="0"/>
-              </a:rPr>
-              <a:t> </a:t>
-            </a:r>
-            <a:r>
               <a:rPr lang="vi-VN" altLang="en-US" dirty="0">
                 <a:ea typeface="Arial" charset="0"/>
               </a:rPr>
-              <a:t>Tính tổng các phần tử của Ma trận A.</a:t>
+              <a:t> Tính tổng các phần tử của Ma trận A.</a:t>
             </a:r>
           </a:p>
           <a:p>
@@ -35288,7 +35250,15 @@
             </a:r>
             <a:r>
               <a:rPr lang="vi-VN" altLang="en-US" dirty="0"/>
-              <a:t>append(element): Thêm phần tử element vào cuối list.</a:t>
+              <a:t>append(element): Thêm phần tử element vào </a:t>
+            </a:r>
+            <a:r>
+              <a:rPr lang="vi-VN" altLang="en-US" b="1" dirty="0"/>
+              <a:t>cuối</a:t>
+            </a:r>
+            <a:r>
+              <a:rPr lang="vi-VN" altLang="en-US" dirty="0"/>
+              <a:t> list.</a:t>
             </a:r>
           </a:p>
           <a:p>
@@ -36116,7 +36086,23 @@
             </a:pPr>
             <a:r>
               <a:rPr lang="vi-VN" altLang="en-US" dirty="0"/>
-              <a:t>sorted(list): Trả về một list mới chứa các phần tử trong list đã được sắp xếp, không thay đổi list ban đầu.</a:t>
+              <a:t>sorted(list): </a:t>
+            </a:r>
+            <a:r>
+              <a:rPr lang="vi-VN" altLang="en-US" b="1" dirty="0"/>
+              <a:t>Trả về một list mới</a:t>
+            </a:r>
+            <a:r>
+              <a:rPr lang="vi-VN" altLang="en-US" dirty="0"/>
+              <a:t> chứa các phần tử trong list đã được sắp xếp, </a:t>
+            </a:r>
+            <a:r>
+              <a:rPr lang="vi-VN" altLang="en-US" b="1" dirty="0"/>
+              <a:t>không thay đổi list ban đầu</a:t>
+            </a:r>
+            <a:r>
+              <a:rPr lang="vi-VN" altLang="en-US" dirty="0"/>
+              <a:t>.</a:t>
             </a:r>
             <a:endParaRPr lang="en-US" altLang="en-US" dirty="0"/>
           </a:p>
@@ -36644,7 +36630,15 @@
           <a:p>
             <a:r>
               <a:rPr lang="vi-VN" altLang="en-US" dirty="0"/>
-              <a:t>List comprehension là một cú pháp trong Python cho phép tạo danh sách mới bằng cách áp dụng biểu thức lên các phần tử của một iterable. Nó cung cấp một cách ngắn gọn và mạnh mẽ để thực hiện các thao tác biến đổi và lọc dữ liệu trên danh sách.</a:t>
+              <a:t>List comprehension là một cú pháp trong Python cho </a:t>
+            </a:r>
+            <a:r>
+              <a:rPr lang="vi-VN" altLang="en-US" b="1" dirty="0"/>
+              <a:t>phép tạo danh sách mới </a:t>
+            </a:r>
+            <a:r>
+              <a:rPr lang="vi-VN" altLang="en-US" dirty="0"/>
+              <a:t>bằng cách áp dụng biểu thức lên các phần tử của một iterable. Nó cung cấp một cách ngắn gọn và mạnh mẽ để thực hiện các thao tác biến đổi và lọc dữ liệu trên danh sách.</a:t>
             </a:r>
             <a:endParaRPr lang="en-US" altLang="en-US" dirty="0"/>
           </a:p>

--- a/Lab 6 + 7/Lab 6 bài giảng.pptx
+++ b/Lab 6 + 7/Lab 6 bài giảng.pptx
@@ -213,6 +213,35 @@
     </p:extLst>
   </p:cmAuthor>
 </p:cmAuthorLst>
+</file>
+
+<file path=ppt/changesInfos/changesInfo1.xml><?xml version="1.0" encoding="utf-8"?>
+<pc:chgInfo xmlns:a="http://schemas.openxmlformats.org/drawingml/2006/main" xmlns:r="http://schemas.openxmlformats.org/officeDocument/2006/relationships" xmlns:ac="http://schemas.microsoft.com/office/drawing/2013/main/command" xmlns:pc="http://schemas.microsoft.com/office/powerpoint/2013/main/command">
+  <pc:docChgLst>
+    <pc:chgData name="Hang Anh Le" userId="afddc9ce3bd7fde8" providerId="LiveId" clId="{277579D8-EE01-49CB-80CD-166F76F0DEC7}"/>
+    <pc:docChg chg="modSld">
+      <pc:chgData name="Hang Anh Le" userId="afddc9ce3bd7fde8" providerId="LiveId" clId="{277579D8-EE01-49CB-80CD-166F76F0DEC7}" dt="2024-05-03T06:37:53.798" v="4" actId="20577"/>
+      <pc:docMkLst>
+        <pc:docMk/>
+      </pc:docMkLst>
+      <pc:sldChg chg="modSp mod">
+        <pc:chgData name="Hang Anh Le" userId="afddc9ce3bd7fde8" providerId="LiveId" clId="{277579D8-EE01-49CB-80CD-166F76F0DEC7}" dt="2024-05-03T06:37:53.798" v="4" actId="20577"/>
+        <pc:sldMkLst>
+          <pc:docMk/>
+          <pc:sldMk cId="1641365349" sldId="336"/>
+        </pc:sldMkLst>
+        <pc:spChg chg="mod">
+          <ac:chgData name="Hang Anh Le" userId="afddc9ce3bd7fde8" providerId="LiveId" clId="{277579D8-EE01-49CB-80CD-166F76F0DEC7}" dt="2024-05-03T06:37:53.798" v="4" actId="20577"/>
+          <ac:spMkLst>
+            <pc:docMk/>
+            <pc:sldMk cId="1641365349" sldId="336"/>
+            <ac:spMk id="3" creationId="{00000000-0000-0000-0000-000000000000}"/>
+          </ac:spMkLst>
+        </pc:spChg>
+      </pc:sldChg>
+    </pc:docChg>
+  </pc:docChgLst>
+</pc:chgInfo>
 </file>
 
 <file path=ppt/handoutMasters/handoutMaster1.xml><?xml version="1.0" encoding="utf-8"?>
@@ -20312,7 +20341,7 @@
               <a:rPr lang="en-US" altLang="en-US" dirty="0" err="1">
                 <a:ea typeface="Arial" charset="0"/>
               </a:rPr>
-              <a:t>mọt</a:t>
+              <a:t>một</a:t>
             </a:r>
             <a:r>
               <a:rPr lang="en-US" altLang="en-US" dirty="0">
